--- a/IMAGE CONVERTER.pptx
+++ b/IMAGE CONVERTER.pptx
@@ -368,7 +368,7 @@
             <a:pPr rtl="0"/>
             <a:fld id="{AD5349E3-2257-46A2-87AA-98208788B886}" type="datetime1">
               <a:rPr lang="it-IT" noProof="0" smtClean="0"/>
-              <a:t>25/07/2023</a:t>
+              <a:t>26/07/2023</a:t>
             </a:fld>
             <a:endParaRPr lang="it-IT" noProof="0"/>
           </a:p>
@@ -2470,7 +2470,7 @@
               <a:rPr lang="it-IT" noProof="0" smtClean="0">
                 <a:latin typeface="+mn-lt"/>
               </a:rPr>
-              <a:t>25 luglio 2023</a:t>
+              <a:t>26 luglio 2023</a:t>
             </a:fld>
             <a:endParaRPr lang="it-IT" noProof="0" dirty="0">
               <a:latin typeface="+mn-lt"/>
@@ -3606,7 +3606,7 @@
               <a:rPr lang="it-IT" noProof="0" smtClean="0">
                 <a:latin typeface="+mn-lt"/>
               </a:rPr>
-              <a:t>25 luglio 2023</a:t>
+              <a:t>26 luglio 2023</a:t>
             </a:fld>
             <a:endParaRPr lang="it-IT" noProof="0" dirty="0">
               <a:latin typeface="+mn-lt"/>
@@ -4741,7 +4741,7 @@
               <a:rPr lang="it-IT" noProof="0" smtClean="0">
                 <a:latin typeface="+mn-lt"/>
               </a:rPr>
-              <a:t>25 luglio 2023</a:t>
+              <a:t>26 luglio 2023</a:t>
             </a:fld>
             <a:endParaRPr lang="it-IT" noProof="0" dirty="0">
               <a:latin typeface="+mn-lt"/>
@@ -7053,7 +7053,7 @@
               <a:rPr lang="it-IT" noProof="0" smtClean="0">
                 <a:latin typeface="+mn-lt"/>
               </a:rPr>
-              <a:t>25 luglio 2023</a:t>
+              <a:t>26 luglio 2023</a:t>
             </a:fld>
             <a:endParaRPr lang="it-IT" noProof="0" dirty="0">
               <a:latin typeface="+mn-lt"/>
@@ -7695,7 +7695,7 @@
               <a:rPr lang="it-IT" noProof="0" smtClean="0">
                 <a:latin typeface="+mn-lt"/>
               </a:rPr>
-              <a:t>25 luglio 2023</a:t>
+              <a:t>26 luglio 2023</a:t>
             </a:fld>
             <a:endParaRPr lang="it-IT" noProof="0" dirty="0">
               <a:latin typeface="+mn-lt"/>
@@ -8472,7 +8472,7 @@
               <a:rPr lang="it-IT" noProof="0" smtClean="0">
                 <a:latin typeface="+mn-lt"/>
               </a:rPr>
-              <a:t>25 luglio 2023</a:t>
+              <a:t>26 luglio 2023</a:t>
             </a:fld>
             <a:endParaRPr lang="it-IT" noProof="0">
               <a:latin typeface="+mn-lt"/>
@@ -8740,7 +8740,7 @@
               <a:rPr lang="it-IT" noProof="0" smtClean="0">
                 <a:latin typeface="+mn-lt"/>
               </a:rPr>
-              <a:t>25 luglio 2023</a:t>
+              <a:t>26 luglio 2023</a:t>
             </a:fld>
             <a:endParaRPr lang="it-IT" noProof="0">
               <a:latin typeface="+mn-lt"/>
@@ -11690,7 +11690,7 @@
               <a:rPr lang="it-IT" noProof="0" smtClean="0">
                 <a:latin typeface="+mn-lt"/>
               </a:rPr>
-              <a:t>25 luglio 2023</a:t>
+              <a:t>26 luglio 2023</a:t>
             </a:fld>
             <a:endParaRPr lang="it-IT" noProof="0" dirty="0">
               <a:latin typeface="+mn-lt"/>
@@ -12867,7 +12867,7 @@
               <a:rPr lang="it-IT" noProof="0" smtClean="0">
                 <a:latin typeface="+mn-lt"/>
               </a:rPr>
-              <a:t>25 luglio 2023</a:t>
+              <a:t>26 luglio 2023</a:t>
             </a:fld>
             <a:endParaRPr lang="it-IT" noProof="0">
               <a:latin typeface="+mn-lt"/>
@@ -13186,7 +13186,7 @@
               <a:rPr lang="it-IT" noProof="0" smtClean="0">
                 <a:latin typeface="+mn-lt"/>
               </a:rPr>
-              <a:t>25 luglio 2023</a:t>
+              <a:t>26 luglio 2023</a:t>
             </a:fld>
             <a:endParaRPr lang="it-IT" noProof="0">
               <a:latin typeface="+mn-lt"/>
@@ -14869,7 +14869,7 @@
         </p:blipFill>
         <p:spPr>
           <a:xfrm>
-            <a:off x="6181725" y="1307688"/>
+            <a:off x="6190352" y="1790768"/>
             <a:ext cx="5453358" cy="2911287"/>
           </a:xfrm>
           <a:prstGeom prst="rect">
@@ -15471,15 +15471,7 @@
                 <a:ea typeface="+mn-ea"/>
                 <a:cs typeface="+mn-cs"/>
               </a:rPr>
-              <a:t>join() </a:t>
-            </a:r>
-            <a:r>
-              <a:rPr lang="it-IT" sz="1600" b="0" i="0" kern="1200" dirty="0">
-                <a:latin typeface="+mn-lt"/>
-                <a:ea typeface="+mn-ea"/>
-                <a:cs typeface="+mn-cs"/>
-              </a:rPr>
-              <a:t>per unire tutti le operazioni eseguite da tutti i thread con conseguente conversione dell’immagine</a:t>
+              <a:t>join() per attendere l’uccisione del thread i-esimo, questo viene fatto per evitare errori di compilazione</a:t>
             </a:r>
             <a:r>
               <a:rPr lang="it-IT" sz="1600" b="0" dirty="0">
@@ -16389,6 +16381,15 @@
 </file>
 
 <file path=customXml/item1.xml><?xml version="1.0" encoding="utf-8"?>
+<?mso-contentType ?>
+<FormTemplates xmlns="http://schemas.microsoft.com/sharepoint/v3/contenttype/forms">
+  <Display>DocumentLibraryForm</Display>
+  <Edit>DocumentLibraryForm</Edit>
+  <New>DocumentLibraryForm</New>
+</FormTemplates>
+</file>
+
+<file path=customXml/item2.xml><?xml version="1.0" encoding="utf-8"?>
 <ct:contentTypeSchema xmlns:ct="http://schemas.microsoft.com/office/2006/metadata/contentType" xmlns:ma="http://schemas.microsoft.com/office/2006/metadata/properties/metaAttributes" ct:_="" ma:_="" ma:contentTypeName="Document" ma:contentTypeID="0x01010079F111ED35F8CC479449609E8A0923A6" ma:contentTypeVersion="12" ma:contentTypeDescription="Create a new document." ma:contentTypeScope="" ma:versionID="426e97fa315356fffbdcd9876fe988c2">
   <xsd:schema xmlns:xsd="http://www.w3.org/2001/XMLSchema" xmlns:xs="http://www.w3.org/2001/XMLSchema" xmlns:p="http://schemas.microsoft.com/office/2006/metadata/properties" xmlns:ns2="71af3243-3dd4-4a8d-8c0d-dd76da1f02a5" xmlns:ns3="16c05727-aa75-4e4a-9b5f-8a80a1165891" targetNamespace="http://schemas.microsoft.com/office/2006/metadata/properties" ma:root="true" ma:fieldsID="14b8f0def80e6d70ce3def20c90759ae" ns2:_="" ns3:_="">
     <xsd:import namespace="71af3243-3dd4-4a8d-8c0d-dd76da1f02a5"/>
@@ -16609,15 +16610,6 @@
 </ct:contentTypeSchema>
 </file>
 
-<file path=customXml/item2.xml><?xml version="1.0" encoding="utf-8"?>
-<?mso-contentType ?>
-<FormTemplates xmlns="http://schemas.microsoft.com/sharepoint/v3/contenttype/forms">
-  <Display>DocumentLibraryForm</Display>
-  <Edit>DocumentLibraryForm</Edit>
-  <New>DocumentLibraryForm</New>
-</FormTemplates>
-</file>
-
 <file path=customXml/item3.xml><?xml version="1.0" encoding="utf-8"?>
 <p:properties xmlns:p="http://schemas.microsoft.com/office/2006/metadata/properties" xmlns:xsi="http://www.w3.org/2001/XMLSchema-instance" xmlns:pc="http://schemas.microsoft.com/office/infopath/2007/PartnerControls">
   <documentManagement>
@@ -16628,6 +16620,14 @@
 </file>
 
 <file path=customXml/itemProps1.xml><?xml version="1.0" encoding="utf-8"?>
+<ds:datastoreItem xmlns:ds="http://schemas.openxmlformats.org/officeDocument/2006/customXml" ds:itemID="{1D20B6E4-879E-4E6C-BDE7-261540CD3765}">
+  <ds:schemaRefs>
+    <ds:schemaRef ds:uri="http://schemas.microsoft.com/sharepoint/v3/contenttype/forms"/>
+  </ds:schemaRefs>
+</ds:datastoreItem>
+</file>
+
+<file path=customXml/itemProps2.xml><?xml version="1.0" encoding="utf-8"?>
 <ds:datastoreItem xmlns:ds="http://schemas.openxmlformats.org/officeDocument/2006/customXml" ds:itemID="{94F21D10-BD83-491A-AAA6-945C2DB1EB01}">
   <ds:schemaRefs>
     <ds:schemaRef ds:uri="http://schemas.microsoft.com/office/2006/metadata/contentType"/>
@@ -16646,14 +16646,6 @@
 </ds:datastoreItem>
 </file>
 
-<file path=customXml/itemProps2.xml><?xml version="1.0" encoding="utf-8"?>
-<ds:datastoreItem xmlns:ds="http://schemas.openxmlformats.org/officeDocument/2006/customXml" ds:itemID="{1D20B6E4-879E-4E6C-BDE7-261540CD3765}">
-  <ds:schemaRefs>
-    <ds:schemaRef ds:uri="http://schemas.microsoft.com/sharepoint/v3/contenttype/forms"/>
-  </ds:schemaRefs>
-</ds:datastoreItem>
-</file>
-
 <file path=customXml/itemProps3.xml><?xml version="1.0" encoding="utf-8"?>
 <ds:datastoreItem xmlns:ds="http://schemas.openxmlformats.org/officeDocument/2006/customXml" ds:itemID="{09EC1AB0-9704-404D-B6D3-819D938AC55B}">
   <ds:schemaRefs>
